--- a/Soutenance/Les logiciels de Musique Assistée par Ordinateur.pptx
+++ b/Soutenance/Les logiciels de Musique Assistée par Ordinateur.pptx
@@ -10,6 +10,7 @@
     <p:sldId id="260" r:id="rId4"/>
     <p:sldId id="259" r:id="rId5"/>
     <p:sldId id="261" r:id="rId6"/>
+    <p:sldId id="262" r:id="rId7"/>
   </p:sldIdLst>
   <p:sldSz cx="12192000" cy="6858000"/>
   <p:notesSz cx="6858000" cy="9144000"/>
@@ -108,6 +109,11 @@
       </a:defRPr>
     </a:lvl9pPr>
   </p:defaultTextStyle>
+  <p:extLst>
+    <p:ext uri="{EFAFB233-063F-42B5-8137-9DF3F51BA10A}">
+      <p15:sldGuideLst xmlns:p15="http://schemas.microsoft.com/office/powerpoint/2012/main"/>
+    </p:ext>
+  </p:extLst>
 </p:presentation>
 </file>
 
@@ -399,7 +405,7 @@
             <a:fld id="{08B9EBBA-996F-894A-B54A-D6246ED52CEA}" type="datetimeFigureOut">
               <a:rPr lang="en-US" dirty="0"/>
               <a:pPr/>
-              <a:t>1/2/2021</a:t>
+              <a:t>1/3/2021</a:t>
             </a:fld>
             <a:endParaRPr lang="en-US" dirty="0"/>
           </a:p>
@@ -714,7 +720,7 @@
             <a:fld id="{18C79C5D-2A6F-F04D-97DA-BEF2467B64E4}" type="datetimeFigureOut">
               <a:rPr lang="en-US" dirty="0"/>
               <a:pPr/>
-              <a:t>1/2/2021</a:t>
+              <a:t>1/3/2021</a:t>
             </a:fld>
             <a:endParaRPr lang="en-US" dirty="0"/>
           </a:p>
@@ -1199,7 +1205,7 @@
             <a:fld id="{8DFA1846-DA80-1C48-A609-854EA85C59AD}" type="datetimeFigureOut">
               <a:rPr lang="en-US" dirty="0"/>
               <a:pPr/>
-              <a:t>1/2/2021</a:t>
+              <a:t>1/3/2021</a:t>
             </a:fld>
             <a:endParaRPr lang="en-US" dirty="0"/>
           </a:p>
@@ -1565,7 +1571,7 @@
             <a:fld id="{FBF54567-0DE4-3F47-BF90-CB84690072F9}" type="datetimeFigureOut">
               <a:rPr lang="en-US" dirty="0"/>
               <a:pPr/>
-              <a:t>1/2/2021</a:t>
+              <a:t>1/3/2021</a:t>
             </a:fld>
             <a:endParaRPr lang="en-US" dirty="0"/>
           </a:p>
@@ -1835,7 +1841,7 @@
             <a:fld id="{C6C52C72-DE31-F449-A4ED-4C594FD91407}" type="datetimeFigureOut">
               <a:rPr lang="en-US" dirty="0"/>
               <a:pPr/>
-              <a:t>1/2/2021</a:t>
+              <a:t>1/3/2021</a:t>
             </a:fld>
             <a:endParaRPr lang="en-US" dirty="0"/>
           </a:p>
@@ -2117,7 +2123,7 @@
             <a:fld id="{ED62726E-379B-B349-9EED-81ED093FA806}" type="datetimeFigureOut">
               <a:rPr lang="en-US" dirty="0"/>
               <a:pPr/>
-              <a:t>1/2/2021</a:t>
+              <a:t>1/3/2021</a:t>
             </a:fld>
             <a:endParaRPr lang="en-US" dirty="0"/>
           </a:p>
@@ -2397,7 +2403,7 @@
             <a:fld id="{9B3A1323-8D79-1946-B0D7-40001CF92E9D}" type="datetimeFigureOut">
               <a:rPr lang="en-US" dirty="0"/>
               <a:pPr/>
-              <a:t>1/2/2021</a:t>
+              <a:t>1/3/2021</a:t>
             </a:fld>
             <a:endParaRPr lang="en-US" dirty="0"/>
           </a:p>
@@ -2737,7 +2743,7 @@
             <a:fld id="{8DFA1846-DA80-1C48-A609-854EA85C59AD}" type="datetimeFigureOut">
               <a:rPr lang="en-US" dirty="0"/>
               <a:pPr/>
-              <a:t>1/2/2021</a:t>
+              <a:t>1/3/2021</a:t>
             </a:fld>
             <a:endParaRPr lang="en-US" dirty="0"/>
           </a:p>
@@ -3073,7 +3079,7 @@
             <a:fld id="{57302355-E14B-8545-A8F8-0FE83CC9D524}" type="datetimeFigureOut">
               <a:rPr lang="en-US" dirty="0"/>
               <a:pPr/>
-              <a:t>1/2/2021</a:t>
+              <a:t>1/3/2021</a:t>
             </a:fld>
             <a:endParaRPr lang="en-US" dirty="0"/>
           </a:p>
@@ -3547,7 +3553,7 @@
             <a:fld id="{02640F58-564D-2B4F-AE67-E407BA4FCF45}" type="datetimeFigureOut">
               <a:rPr lang="en-US" dirty="0"/>
               <a:pPr/>
-              <a:t>1/2/2021</a:t>
+              <a:t>1/3/2021</a:t>
             </a:fld>
             <a:endParaRPr lang="en-US" dirty="0"/>
           </a:p>
@@ -3765,7 +3771,7 @@
             <a:fld id="{F13A34C8-038E-2045-AF43-DF7DBB8E0E9E}" type="datetimeFigureOut">
               <a:rPr lang="en-US" dirty="0"/>
               <a:pPr/>
-              <a:t>1/2/2021</a:t>
+              <a:t>1/3/2021</a:t>
             </a:fld>
             <a:endParaRPr lang="en-US" dirty="0"/>
           </a:p>
@@ -3857,7 +3863,7 @@
             <a:fld id="{8818C68F-D26B-8F47-958C-23B49CF8A634}" type="datetimeFigureOut">
               <a:rPr lang="en-US" dirty="0"/>
               <a:pPr/>
-              <a:t>1/2/2021</a:t>
+              <a:t>1/3/2021</a:t>
             </a:fld>
             <a:endParaRPr lang="en-US" dirty="0"/>
           </a:p>
@@ -4321,7 +4327,7 @@
             <a:fld id="{D0DF5E60-9974-AC48-9591-99C2BB44B7CF}" type="datetimeFigureOut">
               <a:rPr lang="en-US" dirty="0"/>
               <a:pPr/>
-              <a:t>1/2/2021</a:t>
+              <a:t>1/3/2021</a:t>
             </a:fld>
             <a:endParaRPr lang="en-US" dirty="0"/>
           </a:p>
@@ -4631,7 +4637,7 @@
             <a:fld id="{18C79C5D-2A6F-F04D-97DA-BEF2467B64E4}" type="datetimeFigureOut">
               <a:rPr lang="en-US" dirty="0"/>
               <a:pPr/>
-              <a:t>1/2/2021</a:t>
+              <a:t>1/3/2021</a:t>
             </a:fld>
             <a:endParaRPr lang="en-US" dirty="0"/>
           </a:p>
@@ -4898,7 +4904,7 @@
             <a:fld id="{09B482E8-6E0E-1B4F-B1FD-C69DB9E858D9}" type="datetimeFigureOut">
               <a:rPr lang="en-US" dirty="0"/>
               <a:pPr/>
-              <a:t>1/2/2021</a:t>
+              <a:t>1/3/2021</a:t>
             </a:fld>
             <a:endParaRPr lang="en-US" dirty="0"/>
           </a:p>
@@ -6204,6 +6210,285 @@
           </a:xfrm>
         </p:spPr>
       </p:pic>
+      <p:sp>
+        <p:nvSpPr>
+          <p:cNvPr id="6" name="Espace réservé du contenu 2">
+            <a:extLst>
+              <a:ext uri="{FF2B5EF4-FFF2-40B4-BE49-F238E27FC236}">
+                <a16:creationId xmlns:a16="http://schemas.microsoft.com/office/drawing/2014/main" id="{CC8E001C-471F-4025-9017-DF8B3FA02CF4}"/>
+              </a:ext>
+            </a:extLst>
+          </p:cNvPr>
+          <p:cNvSpPr txBox="1">
+            <a:spLocks/>
+          </p:cNvSpPr>
+          <p:nvPr/>
+        </p:nvSpPr>
+        <p:spPr>
+          <a:xfrm>
+            <a:off x="8950977" y="2991129"/>
+            <a:ext cx="3024064" cy="3033560"/>
+          </a:xfrm>
+          <a:prstGeom prst="rect">
+            <a:avLst/>
+          </a:prstGeom>
+          <a:effectLst>
+            <a:outerShdw blurRad="50800" dir="14400000">
+              <a:srgbClr val="000000">
+                <a:alpha val="40000"/>
+              </a:srgbClr>
+            </a:outerShdw>
+          </a:effectLst>
+        </p:spPr>
+        <p:txBody>
+          <a:bodyPr vert="horz" lIns="91440" tIns="45720" rIns="91440" bIns="45720" rtlCol="0" anchor="ctr">
+            <a:normAutofit fontScale="85000" lnSpcReduction="20000"/>
+          </a:bodyPr>
+          <a:lstStyle>
+            <a:lvl1pPr marL="342900" indent="-342900" algn="l" defTabSz="457200" rtl="0" eaLnBrk="1" latinLnBrk="0" hangingPunct="1">
+              <a:spcBef>
+                <a:spcPct val="20000"/>
+              </a:spcBef>
+              <a:spcAft>
+                <a:spcPts val="600"/>
+              </a:spcAft>
+              <a:buClr>
+                <a:schemeClr val="accent1"/>
+              </a:buClr>
+              <a:buFont typeface="Wingdings 2" charset="2"/>
+              <a:buChar char=""/>
+              <a:defRPr sz="1800" kern="1200">
+                <a:solidFill>
+                  <a:schemeClr val="tx1"/>
+                </a:solidFill>
+                <a:latin typeface="+mn-lt"/>
+                <a:ea typeface="+mn-ea"/>
+                <a:cs typeface="+mn-cs"/>
+              </a:defRPr>
+            </a:lvl1pPr>
+            <a:lvl2pPr marL="742950" indent="-285750" algn="l" defTabSz="457200" rtl="0" eaLnBrk="1" latinLnBrk="0" hangingPunct="1">
+              <a:spcBef>
+                <a:spcPct val="20000"/>
+              </a:spcBef>
+              <a:spcAft>
+                <a:spcPts val="600"/>
+              </a:spcAft>
+              <a:buClr>
+                <a:schemeClr val="accent1"/>
+              </a:buClr>
+              <a:buFont typeface="Wingdings 2" charset="2"/>
+              <a:buChar char=""/>
+              <a:defRPr sz="1600" kern="1200">
+                <a:solidFill>
+                  <a:schemeClr val="tx1"/>
+                </a:solidFill>
+                <a:latin typeface="+mn-lt"/>
+                <a:ea typeface="+mn-ea"/>
+                <a:cs typeface="+mn-cs"/>
+              </a:defRPr>
+            </a:lvl2pPr>
+            <a:lvl3pPr marL="1143000" indent="-228600" algn="l" defTabSz="457200" rtl="0" eaLnBrk="1" latinLnBrk="0" hangingPunct="1">
+              <a:spcBef>
+                <a:spcPct val="20000"/>
+              </a:spcBef>
+              <a:spcAft>
+                <a:spcPts val="600"/>
+              </a:spcAft>
+              <a:buClr>
+                <a:schemeClr val="accent1"/>
+              </a:buClr>
+              <a:buFont typeface="Wingdings 2" charset="2"/>
+              <a:buChar char=""/>
+              <a:defRPr sz="1400" kern="1200">
+                <a:solidFill>
+                  <a:schemeClr val="tx1"/>
+                </a:solidFill>
+                <a:latin typeface="+mn-lt"/>
+                <a:ea typeface="+mn-ea"/>
+                <a:cs typeface="+mn-cs"/>
+              </a:defRPr>
+            </a:lvl3pPr>
+            <a:lvl4pPr marL="1600200" indent="-228600" algn="l" defTabSz="457200" rtl="0" eaLnBrk="1" latinLnBrk="0" hangingPunct="1">
+              <a:spcBef>
+                <a:spcPct val="20000"/>
+              </a:spcBef>
+              <a:spcAft>
+                <a:spcPts val="600"/>
+              </a:spcAft>
+              <a:buClr>
+                <a:schemeClr val="accent1"/>
+              </a:buClr>
+              <a:buFont typeface="Wingdings 2" charset="2"/>
+              <a:buChar char=""/>
+              <a:defRPr sz="1200" kern="1200">
+                <a:solidFill>
+                  <a:schemeClr val="tx1"/>
+                </a:solidFill>
+                <a:latin typeface="+mn-lt"/>
+                <a:ea typeface="+mn-ea"/>
+                <a:cs typeface="+mn-cs"/>
+              </a:defRPr>
+            </a:lvl4pPr>
+            <a:lvl5pPr marL="2057400" indent="-228600" algn="l" defTabSz="457200" rtl="0" eaLnBrk="1" latinLnBrk="0" hangingPunct="1">
+              <a:spcBef>
+                <a:spcPct val="20000"/>
+              </a:spcBef>
+              <a:spcAft>
+                <a:spcPts val="600"/>
+              </a:spcAft>
+              <a:buClr>
+                <a:schemeClr val="accent1"/>
+              </a:buClr>
+              <a:buFont typeface="Wingdings 2" charset="2"/>
+              <a:buChar char=""/>
+              <a:defRPr sz="1200" kern="1200">
+                <a:solidFill>
+                  <a:schemeClr val="tx1"/>
+                </a:solidFill>
+                <a:latin typeface="+mn-lt"/>
+                <a:ea typeface="+mn-ea"/>
+                <a:cs typeface="+mn-cs"/>
+              </a:defRPr>
+            </a:lvl5pPr>
+            <a:lvl6pPr marL="2400000" indent="-228600" algn="l" defTabSz="457200" rtl="0" eaLnBrk="1" latinLnBrk="0" hangingPunct="1">
+              <a:spcBef>
+                <a:spcPct val="20000"/>
+              </a:spcBef>
+              <a:spcAft>
+                <a:spcPts val="600"/>
+              </a:spcAft>
+              <a:buClr>
+                <a:schemeClr val="accent1"/>
+              </a:buClr>
+              <a:buFont typeface="Wingdings 2" charset="2"/>
+              <a:buChar char=""/>
+              <a:defRPr sz="1200" kern="1200">
+                <a:solidFill>
+                  <a:schemeClr val="tx1"/>
+                </a:solidFill>
+                <a:latin typeface="+mn-lt"/>
+                <a:ea typeface="+mn-ea"/>
+                <a:cs typeface="+mn-cs"/>
+              </a:defRPr>
+            </a:lvl6pPr>
+            <a:lvl7pPr marL="2800000" indent="-228600" algn="l" defTabSz="457200" rtl="0" eaLnBrk="1" latinLnBrk="0" hangingPunct="1">
+              <a:spcBef>
+                <a:spcPct val="20000"/>
+              </a:spcBef>
+              <a:spcAft>
+                <a:spcPts val="600"/>
+              </a:spcAft>
+              <a:buClr>
+                <a:schemeClr val="accent1"/>
+              </a:buClr>
+              <a:buFont typeface="Wingdings 2" charset="2"/>
+              <a:buChar char=""/>
+              <a:defRPr sz="1200" kern="1200">
+                <a:solidFill>
+                  <a:schemeClr val="tx1"/>
+                </a:solidFill>
+                <a:latin typeface="+mn-lt"/>
+                <a:ea typeface="+mn-ea"/>
+                <a:cs typeface="+mn-cs"/>
+              </a:defRPr>
+            </a:lvl7pPr>
+            <a:lvl8pPr marL="3200000" indent="-228600" algn="l" defTabSz="457200" rtl="0" eaLnBrk="1" latinLnBrk="0" hangingPunct="1">
+              <a:spcBef>
+                <a:spcPct val="20000"/>
+              </a:spcBef>
+              <a:spcAft>
+                <a:spcPts val="600"/>
+              </a:spcAft>
+              <a:buClr>
+                <a:schemeClr val="accent1"/>
+              </a:buClr>
+              <a:buFont typeface="Wingdings 2" charset="2"/>
+              <a:buChar char=""/>
+              <a:defRPr sz="1200" kern="1200">
+                <a:solidFill>
+                  <a:schemeClr val="tx1"/>
+                </a:solidFill>
+                <a:latin typeface="+mn-lt"/>
+                <a:ea typeface="+mn-ea"/>
+                <a:cs typeface="+mn-cs"/>
+              </a:defRPr>
+            </a:lvl8pPr>
+            <a:lvl9pPr marL="3600000" indent="-228600" algn="l" defTabSz="457200" rtl="0" eaLnBrk="1" latinLnBrk="0" hangingPunct="1">
+              <a:spcBef>
+                <a:spcPct val="20000"/>
+              </a:spcBef>
+              <a:spcAft>
+                <a:spcPts val="600"/>
+              </a:spcAft>
+              <a:buClr>
+                <a:schemeClr val="accent1"/>
+              </a:buClr>
+              <a:buFont typeface="Wingdings 2" charset="2"/>
+              <a:buChar char=""/>
+              <a:defRPr sz="1200" kern="1200">
+                <a:solidFill>
+                  <a:schemeClr val="tx1"/>
+                </a:solidFill>
+                <a:latin typeface="+mn-lt"/>
+                <a:ea typeface="+mn-ea"/>
+                <a:cs typeface="+mn-cs"/>
+              </a:defRPr>
+            </a:lvl9pPr>
+          </a:lstStyle>
+          <a:p>
+            <a:r>
+              <a:rPr lang="fr-FR" dirty="0">
+                <a:latin typeface="Century Gothic (Corps)"/>
+              </a:rPr>
+              <a:t>Plusieurs éditions disponibles</a:t>
+            </a:r>
+          </a:p>
+          <a:p>
+            <a:endParaRPr lang="fr-FR" dirty="0">
+              <a:latin typeface="Century Gothic (Corps)"/>
+            </a:endParaRPr>
+          </a:p>
+          <a:p>
+            <a:r>
+              <a:rPr lang="fr-FR" dirty="0">
+                <a:latin typeface="Century Gothic (Corps)"/>
+              </a:rPr>
+              <a:t>Packs de sons, d’effets ou d’instruments disponibles</a:t>
+            </a:r>
+          </a:p>
+          <a:p>
+            <a:endParaRPr lang="fr-FR" dirty="0">
+              <a:latin typeface="Century Gothic (Corps)"/>
+            </a:endParaRPr>
+          </a:p>
+          <a:p>
+            <a:r>
+              <a:rPr lang="fr-FR" dirty="0">
+                <a:latin typeface="Century Gothic (Corps)"/>
+              </a:rPr>
+              <a:t>Les droits appliqués: ceux du pays de l’entreprise</a:t>
+            </a:r>
+          </a:p>
+          <a:p>
+            <a:endParaRPr lang="fr-FR" dirty="0">
+              <a:latin typeface="Century Gothic (Corps)"/>
+            </a:endParaRPr>
+          </a:p>
+          <a:p>
+            <a:r>
+              <a:rPr lang="fr-FR" dirty="0">
+                <a:latin typeface="Century Gothic (Corps)"/>
+              </a:rPr>
+              <a:t>A l’achat, droits de licence </a:t>
+            </a:r>
+          </a:p>
+          <a:p>
+            <a:endParaRPr lang="fr-FR" dirty="0">
+              <a:latin typeface="LucidaSans"/>
+            </a:endParaRPr>
+          </a:p>
+        </p:txBody>
+      </p:sp>
     </p:spTree>
     <p:extLst>
       <p:ext uri="{BB962C8B-B14F-4D97-AF65-F5344CB8AC3E}">
@@ -6291,6 +6576,58 @@
           </a:xfrm>
         </p:spPr>
       </p:pic>
+      <p:sp>
+        <p:nvSpPr>
+          <p:cNvPr id="3" name="Rectangle 2">
+            <a:extLst>
+              <a:ext uri="{FF2B5EF4-FFF2-40B4-BE49-F238E27FC236}">
+                <a16:creationId xmlns:a16="http://schemas.microsoft.com/office/drawing/2014/main" id="{3E2801CE-77AC-4958-9744-058F811707B2}"/>
+              </a:ext>
+            </a:extLst>
+          </p:cNvPr>
+          <p:cNvSpPr/>
+          <p:nvPr/>
+        </p:nvSpPr>
+        <p:spPr>
+          <a:xfrm>
+            <a:off x="8662737" y="2863516"/>
+            <a:ext cx="657726" cy="449179"/>
+          </a:xfrm>
+          <a:prstGeom prst="rect">
+            <a:avLst/>
+          </a:prstGeom>
+          <a:solidFill>
+            <a:schemeClr val="tx1"/>
+          </a:solidFill>
+          <a:ln>
+            <a:noFill/>
+          </a:ln>
+        </p:spPr>
+        <p:style>
+          <a:lnRef idx="2">
+            <a:schemeClr val="accent1">
+              <a:shade val="50000"/>
+            </a:schemeClr>
+          </a:lnRef>
+          <a:fillRef idx="1">
+            <a:schemeClr val="accent1"/>
+          </a:fillRef>
+          <a:effectRef idx="0">
+            <a:schemeClr val="accent1"/>
+          </a:effectRef>
+          <a:fontRef idx="minor">
+            <a:schemeClr val="lt1"/>
+          </a:fontRef>
+        </p:style>
+        <p:txBody>
+          <a:bodyPr rtlCol="0" anchor="ctr"/>
+          <a:lstStyle/>
+          <a:p>
+            <a:pPr algn="ctr"/>
+            <a:endParaRPr lang="fr-FR"/>
+          </a:p>
+        </p:txBody>
+      </p:sp>
     </p:spTree>
     <p:extLst>
       <p:ext uri="{BB962C8B-B14F-4D97-AF65-F5344CB8AC3E}">
@@ -6342,7 +6679,10 @@
           <a:bodyPr/>
           <a:lstStyle/>
           <a:p>
-            <a:endParaRPr lang="fr-FR"/>
+            <a:r>
+              <a:rPr lang="fr-FR" dirty="0"/>
+              <a:t>Partie Juridique</a:t>
+            </a:r>
           </a:p>
         </p:txBody>
       </p:sp>
@@ -6362,12 +6702,105 @@
             <p:ph idx="1"/>
           </p:nvPr>
         </p:nvSpPr>
-        <p:spPr/>
-        <p:txBody>
-          <a:bodyPr/>
+        <p:spPr>
+          <a:xfrm>
+            <a:off x="810000" y="2557733"/>
+            <a:ext cx="10554574" cy="4179951"/>
+          </a:xfrm>
+        </p:spPr>
+        <p:txBody>
+          <a:bodyPr>
+            <a:normAutofit fontScale="92500" lnSpcReduction="10000"/>
+          </a:bodyPr>
           <a:lstStyle/>
           <a:p>
-            <a:endParaRPr lang="fr-FR"/>
+            <a:pPr algn="l"/>
+            <a:r>
+              <a:rPr lang="fr-FR" sz="1800" b="0" i="0" u="none" strike="noStrike" baseline="0" dirty="0">
+                <a:latin typeface="Century Gothic (Corps)"/>
+              </a:rPr>
+              <a:t>Articles L.122-4, L.335-2 et L.335-3 du code de la propriété intellectuelle</a:t>
+            </a:r>
+          </a:p>
+          <a:p>
+            <a:pPr algn="l"/>
+            <a:endParaRPr lang="fr-FR" sz="1800" b="0" i="0" u="none" strike="noStrike" baseline="0" dirty="0">
+              <a:latin typeface="LucidaSans"/>
+            </a:endParaRPr>
+          </a:p>
+          <a:p>
+            <a:pPr algn="l"/>
+            <a:r>
+              <a:rPr lang="fr-FR" dirty="0"/>
+              <a:t>Risques encourus par une personne physique dans un cadre personnel:</a:t>
+            </a:r>
+          </a:p>
+          <a:p>
+            <a:pPr lvl="1"/>
+            <a:r>
+              <a:rPr lang="fr-FR" dirty="0"/>
+              <a:t>Jusqu’à 150 000€ d’amende</a:t>
+            </a:r>
+          </a:p>
+          <a:p>
+            <a:pPr lvl="1"/>
+            <a:r>
+              <a:rPr lang="fr-FR" dirty="0"/>
+              <a:t>Peine d’emprisonnement allant jusqu’à 2 ans</a:t>
+            </a:r>
+          </a:p>
+          <a:p>
+            <a:pPr lvl="1"/>
+            <a:endParaRPr lang="fr-FR" dirty="0"/>
+          </a:p>
+          <a:p>
+            <a:r>
+              <a:rPr lang="fr-FR" dirty="0"/>
+              <a:t>Risques encourus par une personne physique dans un cadre professionnel:</a:t>
+            </a:r>
+          </a:p>
+          <a:p>
+            <a:pPr lvl="1"/>
+            <a:r>
+              <a:rPr lang="fr-FR" dirty="0"/>
+              <a:t>Jusqu’à 750 000€ d’amende</a:t>
+            </a:r>
+          </a:p>
+          <a:p>
+            <a:pPr lvl="1"/>
+            <a:r>
+              <a:rPr lang="fr-FR" dirty="0"/>
+              <a:t>Confiscation du matériel ayant servi au piratage</a:t>
+            </a:r>
+          </a:p>
+          <a:p>
+            <a:pPr lvl="1"/>
+            <a:r>
+              <a:rPr lang="fr-FR" dirty="0"/>
+              <a:t>Interdiction temporaire ou définitive d’exercer une ou plusieurs activités professionnelles</a:t>
+            </a:r>
+          </a:p>
+          <a:p>
+            <a:pPr lvl="1"/>
+            <a:r>
+              <a:rPr lang="fr-FR" dirty="0"/>
+              <a:t>Interdiction d’émettre des chèques pendant au moins 5 ans</a:t>
+            </a:r>
+          </a:p>
+          <a:p>
+            <a:pPr lvl="1"/>
+            <a:r>
+              <a:rPr lang="fr-FR" dirty="0"/>
+              <a:t>Placement sous surveillance </a:t>
+            </a:r>
+            <a:r>
+              <a:rPr lang="fr-FR" dirty="0" err="1"/>
+              <a:t>judicière</a:t>
+            </a:r>
+            <a:endParaRPr lang="fr-FR" dirty="0"/>
+          </a:p>
+          <a:p>
+            <a:endParaRPr lang="fr-FR" dirty="0"/>
           </a:p>
         </p:txBody>
       </p:sp>
@@ -6375,6 +6808,144 @@
     <p:extLst>
       <p:ext uri="{BB962C8B-B14F-4D97-AF65-F5344CB8AC3E}">
         <p14:creationId xmlns:p14="http://schemas.microsoft.com/office/powerpoint/2010/main" val="1490653038"/>
+      </p:ext>
+    </p:extLst>
+  </p:cSld>
+  <p:clrMapOvr>
+    <a:masterClrMapping/>
+  </p:clrMapOvr>
+</p:sld>
+</file>
+
+<file path=ppt/slides/slide6.xml><?xml version="1.0" encoding="utf-8"?>
+<p:sld xmlns:a="http://schemas.openxmlformats.org/drawingml/2006/main" xmlns:r="http://schemas.openxmlformats.org/officeDocument/2006/relationships" xmlns:p="http://schemas.openxmlformats.org/presentationml/2006/main">
+  <p:cSld>
+    <p:spTree>
+      <p:nvGrpSpPr>
+        <p:cNvPr id="1" name=""/>
+        <p:cNvGrpSpPr/>
+        <p:nvPr/>
+      </p:nvGrpSpPr>
+      <p:grpSpPr>
+        <a:xfrm>
+          <a:off x="0" y="0"/>
+          <a:ext cx="0" cy="0"/>
+          <a:chOff x="0" y="0"/>
+          <a:chExt cx="0" cy="0"/>
+        </a:xfrm>
+      </p:grpSpPr>
+      <p:sp>
+        <p:nvSpPr>
+          <p:cNvPr id="2" name="Titre 1">
+            <a:extLst>
+              <a:ext uri="{FF2B5EF4-FFF2-40B4-BE49-F238E27FC236}">
+                <a16:creationId xmlns:a16="http://schemas.microsoft.com/office/drawing/2014/main" id="{3F017FD0-355C-4BD2-B6E0-1038233AE935}"/>
+              </a:ext>
+            </a:extLst>
+          </p:cNvPr>
+          <p:cNvSpPr>
+            <a:spLocks noGrp="1"/>
+          </p:cNvSpPr>
+          <p:nvPr>
+            <p:ph type="title"/>
+          </p:nvPr>
+        </p:nvSpPr>
+        <p:spPr/>
+        <p:txBody>
+          <a:bodyPr/>
+          <a:lstStyle/>
+          <a:p>
+            <a:r>
+              <a:rPr lang="fr-FR" dirty="0"/>
+              <a:t>Analyse du travail de groupe</a:t>
+            </a:r>
+          </a:p>
+        </p:txBody>
+      </p:sp>
+      <p:sp>
+        <p:nvSpPr>
+          <p:cNvPr id="3" name="Espace réservé du contenu 2">
+            <a:extLst>
+              <a:ext uri="{FF2B5EF4-FFF2-40B4-BE49-F238E27FC236}">
+                <a16:creationId xmlns:a16="http://schemas.microsoft.com/office/drawing/2014/main" id="{FB6425E8-9A90-4AE9-8743-124741A88744}"/>
+              </a:ext>
+            </a:extLst>
+          </p:cNvPr>
+          <p:cNvSpPr>
+            <a:spLocks noGrp="1"/>
+          </p:cNvSpPr>
+          <p:nvPr>
+            <p:ph idx="1"/>
+          </p:nvPr>
+        </p:nvSpPr>
+        <p:spPr>
+          <a:xfrm>
+            <a:off x="818712" y="2542674"/>
+            <a:ext cx="10554574" cy="3868138"/>
+          </a:xfrm>
+        </p:spPr>
+        <p:txBody>
+          <a:bodyPr>
+            <a:normAutofit fontScale="92500" lnSpcReduction="20000"/>
+          </a:bodyPr>
+          <a:lstStyle/>
+          <a:p>
+            <a:r>
+              <a:rPr lang="fr-FR" dirty="0"/>
+              <a:t>Production du groupe</a:t>
+            </a:r>
+          </a:p>
+          <a:p>
+            <a:endParaRPr lang="fr-FR" dirty="0"/>
+          </a:p>
+          <a:p>
+            <a:r>
+              <a:rPr lang="fr-FR" dirty="0"/>
+              <a:t>Ambiance dans le groupe</a:t>
+            </a:r>
+          </a:p>
+          <a:p>
+            <a:endParaRPr lang="fr-FR" dirty="0"/>
+          </a:p>
+          <a:p>
+            <a:r>
+              <a:rPr lang="fr-FR" dirty="0"/>
+              <a:t>Méthodes de communication</a:t>
+            </a:r>
+          </a:p>
+          <a:p>
+            <a:endParaRPr lang="fr-FR" dirty="0"/>
+          </a:p>
+          <a:p>
+            <a:r>
+              <a:rPr lang="fr-FR" dirty="0"/>
+              <a:t>Organisation</a:t>
+            </a:r>
+          </a:p>
+          <a:p>
+            <a:endParaRPr lang="fr-FR" dirty="0"/>
+          </a:p>
+          <a:p>
+            <a:r>
+              <a:rPr lang="fr-FR" dirty="0"/>
+              <a:t>Implication de chacun des membres</a:t>
+            </a:r>
+          </a:p>
+          <a:p>
+            <a:endParaRPr lang="fr-FR" dirty="0"/>
+          </a:p>
+          <a:p>
+            <a:r>
+              <a:rPr lang="fr-FR" dirty="0"/>
+              <a:t>Relation avec les tuteurs</a:t>
+            </a:r>
+          </a:p>
+        </p:txBody>
+      </p:sp>
+    </p:spTree>
+    <p:extLst>
+      <p:ext uri="{BB962C8B-B14F-4D97-AF65-F5344CB8AC3E}">
+        <p14:creationId xmlns:p14="http://schemas.microsoft.com/office/powerpoint/2010/main" val="158930028"/>
       </p:ext>
     </p:extLst>
   </p:cSld>

--- a/Soutenance/Les logiciels de Musique Assistée par Ordinateur.pptx
+++ b/Soutenance/Les logiciels de Musique Assistée par Ordinateur.pptx
@@ -11,6 +11,7 @@
     <p:sldId id="259" r:id="rId5"/>
     <p:sldId id="261" r:id="rId6"/>
     <p:sldId id="262" r:id="rId7"/>
+    <p:sldId id="263" r:id="rId8"/>
   </p:sldIdLst>
   <p:sldSz cx="12192000" cy="6858000"/>
   <p:notesSz cx="6858000" cy="9144000"/>
@@ -6123,6 +6124,267 @@
           </a:extLst>
         </p:spPr>
       </p:pic>
+      <p:sp>
+        <p:nvSpPr>
+          <p:cNvPr id="4" name="Espace réservé du contenu 2">
+            <a:extLst>
+              <a:ext uri="{FF2B5EF4-FFF2-40B4-BE49-F238E27FC236}">
+                <a16:creationId xmlns:a16="http://schemas.microsoft.com/office/drawing/2014/main" id="{055E468A-4E82-4585-86BB-9EA7017E8A82}"/>
+              </a:ext>
+            </a:extLst>
+          </p:cNvPr>
+          <p:cNvSpPr txBox="1">
+            <a:spLocks/>
+          </p:cNvSpPr>
+          <p:nvPr/>
+        </p:nvSpPr>
+        <p:spPr>
+          <a:xfrm>
+            <a:off x="8950977" y="2991129"/>
+            <a:ext cx="3024064" cy="3033560"/>
+          </a:xfrm>
+          <a:prstGeom prst="rect">
+            <a:avLst/>
+          </a:prstGeom>
+          <a:effectLst>
+            <a:outerShdw blurRad="50800" dir="14400000">
+              <a:srgbClr val="000000">
+                <a:alpha val="40000"/>
+              </a:srgbClr>
+            </a:outerShdw>
+          </a:effectLst>
+        </p:spPr>
+        <p:txBody>
+          <a:bodyPr vert="horz" lIns="91440" tIns="45720" rIns="91440" bIns="45720" rtlCol="0" anchor="ctr">
+            <a:normAutofit fontScale="92500" lnSpcReduction="10000"/>
+          </a:bodyPr>
+          <a:lstStyle>
+            <a:lvl1pPr marL="342900" indent="-342900" algn="l" defTabSz="457200" rtl="0" eaLnBrk="1" latinLnBrk="0" hangingPunct="1">
+              <a:spcBef>
+                <a:spcPct val="20000"/>
+              </a:spcBef>
+              <a:spcAft>
+                <a:spcPts val="600"/>
+              </a:spcAft>
+              <a:buClr>
+                <a:schemeClr val="accent1"/>
+              </a:buClr>
+              <a:buFont typeface="Wingdings 2" charset="2"/>
+              <a:buChar char=""/>
+              <a:defRPr sz="1800" kern="1200">
+                <a:solidFill>
+                  <a:schemeClr val="tx1"/>
+                </a:solidFill>
+                <a:latin typeface="+mn-lt"/>
+                <a:ea typeface="+mn-ea"/>
+                <a:cs typeface="+mn-cs"/>
+              </a:defRPr>
+            </a:lvl1pPr>
+            <a:lvl2pPr marL="742950" indent="-285750" algn="l" defTabSz="457200" rtl="0" eaLnBrk="1" latinLnBrk="0" hangingPunct="1">
+              <a:spcBef>
+                <a:spcPct val="20000"/>
+              </a:spcBef>
+              <a:spcAft>
+                <a:spcPts val="600"/>
+              </a:spcAft>
+              <a:buClr>
+                <a:schemeClr val="accent1"/>
+              </a:buClr>
+              <a:buFont typeface="Wingdings 2" charset="2"/>
+              <a:buChar char=""/>
+              <a:defRPr sz="1600" kern="1200">
+                <a:solidFill>
+                  <a:schemeClr val="tx1"/>
+                </a:solidFill>
+                <a:latin typeface="+mn-lt"/>
+                <a:ea typeface="+mn-ea"/>
+                <a:cs typeface="+mn-cs"/>
+              </a:defRPr>
+            </a:lvl2pPr>
+            <a:lvl3pPr marL="1143000" indent="-228600" algn="l" defTabSz="457200" rtl="0" eaLnBrk="1" latinLnBrk="0" hangingPunct="1">
+              <a:spcBef>
+                <a:spcPct val="20000"/>
+              </a:spcBef>
+              <a:spcAft>
+                <a:spcPts val="600"/>
+              </a:spcAft>
+              <a:buClr>
+                <a:schemeClr val="accent1"/>
+              </a:buClr>
+              <a:buFont typeface="Wingdings 2" charset="2"/>
+              <a:buChar char=""/>
+              <a:defRPr sz="1400" kern="1200">
+                <a:solidFill>
+                  <a:schemeClr val="tx1"/>
+                </a:solidFill>
+                <a:latin typeface="+mn-lt"/>
+                <a:ea typeface="+mn-ea"/>
+                <a:cs typeface="+mn-cs"/>
+              </a:defRPr>
+            </a:lvl3pPr>
+            <a:lvl4pPr marL="1600200" indent="-228600" algn="l" defTabSz="457200" rtl="0" eaLnBrk="1" latinLnBrk="0" hangingPunct="1">
+              <a:spcBef>
+                <a:spcPct val="20000"/>
+              </a:spcBef>
+              <a:spcAft>
+                <a:spcPts val="600"/>
+              </a:spcAft>
+              <a:buClr>
+                <a:schemeClr val="accent1"/>
+              </a:buClr>
+              <a:buFont typeface="Wingdings 2" charset="2"/>
+              <a:buChar char=""/>
+              <a:defRPr sz="1200" kern="1200">
+                <a:solidFill>
+                  <a:schemeClr val="tx1"/>
+                </a:solidFill>
+                <a:latin typeface="+mn-lt"/>
+                <a:ea typeface="+mn-ea"/>
+                <a:cs typeface="+mn-cs"/>
+              </a:defRPr>
+            </a:lvl4pPr>
+            <a:lvl5pPr marL="2057400" indent="-228600" algn="l" defTabSz="457200" rtl="0" eaLnBrk="1" latinLnBrk="0" hangingPunct="1">
+              <a:spcBef>
+                <a:spcPct val="20000"/>
+              </a:spcBef>
+              <a:spcAft>
+                <a:spcPts val="600"/>
+              </a:spcAft>
+              <a:buClr>
+                <a:schemeClr val="accent1"/>
+              </a:buClr>
+              <a:buFont typeface="Wingdings 2" charset="2"/>
+              <a:buChar char=""/>
+              <a:defRPr sz="1200" kern="1200">
+                <a:solidFill>
+                  <a:schemeClr val="tx1"/>
+                </a:solidFill>
+                <a:latin typeface="+mn-lt"/>
+                <a:ea typeface="+mn-ea"/>
+                <a:cs typeface="+mn-cs"/>
+              </a:defRPr>
+            </a:lvl5pPr>
+            <a:lvl6pPr marL="2400000" indent="-228600" algn="l" defTabSz="457200" rtl="0" eaLnBrk="1" latinLnBrk="0" hangingPunct="1">
+              <a:spcBef>
+                <a:spcPct val="20000"/>
+              </a:spcBef>
+              <a:spcAft>
+                <a:spcPts val="600"/>
+              </a:spcAft>
+              <a:buClr>
+                <a:schemeClr val="accent1"/>
+              </a:buClr>
+              <a:buFont typeface="Wingdings 2" charset="2"/>
+              <a:buChar char=""/>
+              <a:defRPr sz="1200" kern="1200">
+                <a:solidFill>
+                  <a:schemeClr val="tx1"/>
+                </a:solidFill>
+                <a:latin typeface="+mn-lt"/>
+                <a:ea typeface="+mn-ea"/>
+                <a:cs typeface="+mn-cs"/>
+              </a:defRPr>
+            </a:lvl6pPr>
+            <a:lvl7pPr marL="2800000" indent="-228600" algn="l" defTabSz="457200" rtl="0" eaLnBrk="1" latinLnBrk="0" hangingPunct="1">
+              <a:spcBef>
+                <a:spcPct val="20000"/>
+              </a:spcBef>
+              <a:spcAft>
+                <a:spcPts val="600"/>
+              </a:spcAft>
+              <a:buClr>
+                <a:schemeClr val="accent1"/>
+              </a:buClr>
+              <a:buFont typeface="Wingdings 2" charset="2"/>
+              <a:buChar char=""/>
+              <a:defRPr sz="1200" kern="1200">
+                <a:solidFill>
+                  <a:schemeClr val="tx1"/>
+                </a:solidFill>
+                <a:latin typeface="+mn-lt"/>
+                <a:ea typeface="+mn-ea"/>
+                <a:cs typeface="+mn-cs"/>
+              </a:defRPr>
+            </a:lvl7pPr>
+            <a:lvl8pPr marL="3200000" indent="-228600" algn="l" defTabSz="457200" rtl="0" eaLnBrk="1" latinLnBrk="0" hangingPunct="1">
+              <a:spcBef>
+                <a:spcPct val="20000"/>
+              </a:spcBef>
+              <a:spcAft>
+                <a:spcPts val="600"/>
+              </a:spcAft>
+              <a:buClr>
+                <a:schemeClr val="accent1"/>
+              </a:buClr>
+              <a:buFont typeface="Wingdings 2" charset="2"/>
+              <a:buChar char=""/>
+              <a:defRPr sz="1200" kern="1200">
+                <a:solidFill>
+                  <a:schemeClr val="tx1"/>
+                </a:solidFill>
+                <a:latin typeface="+mn-lt"/>
+                <a:ea typeface="+mn-ea"/>
+                <a:cs typeface="+mn-cs"/>
+              </a:defRPr>
+            </a:lvl8pPr>
+            <a:lvl9pPr marL="3600000" indent="-228600" algn="l" defTabSz="457200" rtl="0" eaLnBrk="1" latinLnBrk="0" hangingPunct="1">
+              <a:spcBef>
+                <a:spcPct val="20000"/>
+              </a:spcBef>
+              <a:spcAft>
+                <a:spcPts val="600"/>
+              </a:spcAft>
+              <a:buClr>
+                <a:schemeClr val="accent1"/>
+              </a:buClr>
+              <a:buFont typeface="Wingdings 2" charset="2"/>
+              <a:buChar char=""/>
+              <a:defRPr sz="1200" kern="1200">
+                <a:solidFill>
+                  <a:schemeClr val="tx1"/>
+                </a:solidFill>
+                <a:latin typeface="+mn-lt"/>
+                <a:ea typeface="+mn-ea"/>
+                <a:cs typeface="+mn-cs"/>
+              </a:defRPr>
+            </a:lvl9pPr>
+          </a:lstStyle>
+          <a:p>
+            <a:r>
+              <a:rPr lang="fr-FR" dirty="0">
+                <a:latin typeface="Century Gothic (Corps)"/>
+              </a:rPr>
+              <a:t>Licence à payer pour obtenir les droits d’utilisation</a:t>
+            </a:r>
+          </a:p>
+          <a:p>
+            <a:endParaRPr lang="fr-FR" dirty="0">
+              <a:latin typeface="Century Gothic (Corps)"/>
+            </a:endParaRPr>
+          </a:p>
+          <a:p>
+            <a:r>
+              <a:rPr lang="fr-FR" dirty="0">
+                <a:latin typeface="Century Gothic (Corps)"/>
+              </a:rPr>
+              <a:t>Prix conséquent car logiciels complexes à développer</a:t>
+            </a:r>
+          </a:p>
+          <a:p>
+            <a:endParaRPr lang="fr-FR" dirty="0">
+              <a:latin typeface="Century Gothic (Corps)"/>
+            </a:endParaRPr>
+          </a:p>
+          <a:p>
+            <a:r>
+              <a:rPr lang="fr-FR" dirty="0">
+                <a:latin typeface="Century Gothic (Corps)"/>
+              </a:rPr>
+              <a:t>Logiciels gratuits peu pratiques</a:t>
+            </a:r>
+          </a:p>
+        </p:txBody>
+      </p:sp>
     </p:spTree>
     <p:extLst>
       <p:ext uri="{BB962C8B-B14F-4D97-AF65-F5344CB8AC3E}">
@@ -6226,7 +6488,7 @@
         </p:nvSpPr>
         <p:spPr>
           <a:xfrm>
-            <a:off x="8950977" y="2991129"/>
+            <a:off x="9046227" y="2991129"/>
             <a:ext cx="3024064" cy="3033560"/>
           </a:xfrm>
           <a:prstGeom prst="rect">
@@ -6628,6 +6890,276 @@
           </a:p>
         </p:txBody>
       </p:sp>
+      <p:sp>
+        <p:nvSpPr>
+          <p:cNvPr id="6" name="Espace réservé du contenu 2">
+            <a:extLst>
+              <a:ext uri="{FF2B5EF4-FFF2-40B4-BE49-F238E27FC236}">
+                <a16:creationId xmlns:a16="http://schemas.microsoft.com/office/drawing/2014/main" id="{A3A19EEF-E80B-4887-931D-B9EF62B91811}"/>
+              </a:ext>
+            </a:extLst>
+          </p:cNvPr>
+          <p:cNvSpPr txBox="1">
+            <a:spLocks/>
+          </p:cNvSpPr>
+          <p:nvPr/>
+        </p:nvSpPr>
+        <p:spPr>
+          <a:xfrm>
+            <a:off x="9617984" y="3075550"/>
+            <a:ext cx="2364466" cy="3033560"/>
+          </a:xfrm>
+          <a:prstGeom prst="rect">
+            <a:avLst/>
+          </a:prstGeom>
+          <a:effectLst>
+            <a:outerShdw blurRad="50800" dir="14400000">
+              <a:srgbClr val="000000">
+                <a:alpha val="40000"/>
+              </a:srgbClr>
+            </a:outerShdw>
+          </a:effectLst>
+        </p:spPr>
+        <p:txBody>
+          <a:bodyPr vert="horz" lIns="91440" tIns="45720" rIns="91440" bIns="45720" rtlCol="0" anchor="ctr">
+            <a:normAutofit/>
+          </a:bodyPr>
+          <a:lstStyle>
+            <a:lvl1pPr marL="342900" indent="-342900" algn="l" defTabSz="457200" rtl="0" eaLnBrk="1" latinLnBrk="0" hangingPunct="1">
+              <a:spcBef>
+                <a:spcPct val="20000"/>
+              </a:spcBef>
+              <a:spcAft>
+                <a:spcPts val="600"/>
+              </a:spcAft>
+              <a:buClr>
+                <a:schemeClr val="accent1"/>
+              </a:buClr>
+              <a:buFont typeface="Wingdings 2" charset="2"/>
+              <a:buChar char=""/>
+              <a:defRPr sz="1800" kern="1200">
+                <a:solidFill>
+                  <a:schemeClr val="tx1"/>
+                </a:solidFill>
+                <a:latin typeface="+mn-lt"/>
+                <a:ea typeface="+mn-ea"/>
+                <a:cs typeface="+mn-cs"/>
+              </a:defRPr>
+            </a:lvl1pPr>
+            <a:lvl2pPr marL="742950" indent="-285750" algn="l" defTabSz="457200" rtl="0" eaLnBrk="1" latinLnBrk="0" hangingPunct="1">
+              <a:spcBef>
+                <a:spcPct val="20000"/>
+              </a:spcBef>
+              <a:spcAft>
+                <a:spcPts val="600"/>
+              </a:spcAft>
+              <a:buClr>
+                <a:schemeClr val="accent1"/>
+              </a:buClr>
+              <a:buFont typeface="Wingdings 2" charset="2"/>
+              <a:buChar char=""/>
+              <a:defRPr sz="1600" kern="1200">
+                <a:solidFill>
+                  <a:schemeClr val="tx1"/>
+                </a:solidFill>
+                <a:latin typeface="+mn-lt"/>
+                <a:ea typeface="+mn-ea"/>
+                <a:cs typeface="+mn-cs"/>
+              </a:defRPr>
+            </a:lvl2pPr>
+            <a:lvl3pPr marL="1143000" indent="-228600" algn="l" defTabSz="457200" rtl="0" eaLnBrk="1" latinLnBrk="0" hangingPunct="1">
+              <a:spcBef>
+                <a:spcPct val="20000"/>
+              </a:spcBef>
+              <a:spcAft>
+                <a:spcPts val="600"/>
+              </a:spcAft>
+              <a:buClr>
+                <a:schemeClr val="accent1"/>
+              </a:buClr>
+              <a:buFont typeface="Wingdings 2" charset="2"/>
+              <a:buChar char=""/>
+              <a:defRPr sz="1400" kern="1200">
+                <a:solidFill>
+                  <a:schemeClr val="tx1"/>
+                </a:solidFill>
+                <a:latin typeface="+mn-lt"/>
+                <a:ea typeface="+mn-ea"/>
+                <a:cs typeface="+mn-cs"/>
+              </a:defRPr>
+            </a:lvl3pPr>
+            <a:lvl4pPr marL="1600200" indent="-228600" algn="l" defTabSz="457200" rtl="0" eaLnBrk="1" latinLnBrk="0" hangingPunct="1">
+              <a:spcBef>
+                <a:spcPct val="20000"/>
+              </a:spcBef>
+              <a:spcAft>
+                <a:spcPts val="600"/>
+              </a:spcAft>
+              <a:buClr>
+                <a:schemeClr val="accent1"/>
+              </a:buClr>
+              <a:buFont typeface="Wingdings 2" charset="2"/>
+              <a:buChar char=""/>
+              <a:defRPr sz="1200" kern="1200">
+                <a:solidFill>
+                  <a:schemeClr val="tx1"/>
+                </a:solidFill>
+                <a:latin typeface="+mn-lt"/>
+                <a:ea typeface="+mn-ea"/>
+                <a:cs typeface="+mn-cs"/>
+              </a:defRPr>
+            </a:lvl4pPr>
+            <a:lvl5pPr marL="2057400" indent="-228600" algn="l" defTabSz="457200" rtl="0" eaLnBrk="1" latinLnBrk="0" hangingPunct="1">
+              <a:spcBef>
+                <a:spcPct val="20000"/>
+              </a:spcBef>
+              <a:spcAft>
+                <a:spcPts val="600"/>
+              </a:spcAft>
+              <a:buClr>
+                <a:schemeClr val="accent1"/>
+              </a:buClr>
+              <a:buFont typeface="Wingdings 2" charset="2"/>
+              <a:buChar char=""/>
+              <a:defRPr sz="1200" kern="1200">
+                <a:solidFill>
+                  <a:schemeClr val="tx1"/>
+                </a:solidFill>
+                <a:latin typeface="+mn-lt"/>
+                <a:ea typeface="+mn-ea"/>
+                <a:cs typeface="+mn-cs"/>
+              </a:defRPr>
+            </a:lvl5pPr>
+            <a:lvl6pPr marL="2400000" indent="-228600" algn="l" defTabSz="457200" rtl="0" eaLnBrk="1" latinLnBrk="0" hangingPunct="1">
+              <a:spcBef>
+                <a:spcPct val="20000"/>
+              </a:spcBef>
+              <a:spcAft>
+                <a:spcPts val="600"/>
+              </a:spcAft>
+              <a:buClr>
+                <a:schemeClr val="accent1"/>
+              </a:buClr>
+              <a:buFont typeface="Wingdings 2" charset="2"/>
+              <a:buChar char=""/>
+              <a:defRPr sz="1200" kern="1200">
+                <a:solidFill>
+                  <a:schemeClr val="tx1"/>
+                </a:solidFill>
+                <a:latin typeface="+mn-lt"/>
+                <a:ea typeface="+mn-ea"/>
+                <a:cs typeface="+mn-cs"/>
+              </a:defRPr>
+            </a:lvl6pPr>
+            <a:lvl7pPr marL="2800000" indent="-228600" algn="l" defTabSz="457200" rtl="0" eaLnBrk="1" latinLnBrk="0" hangingPunct="1">
+              <a:spcBef>
+                <a:spcPct val="20000"/>
+              </a:spcBef>
+              <a:spcAft>
+                <a:spcPts val="600"/>
+              </a:spcAft>
+              <a:buClr>
+                <a:schemeClr val="accent1"/>
+              </a:buClr>
+              <a:buFont typeface="Wingdings 2" charset="2"/>
+              <a:buChar char=""/>
+              <a:defRPr sz="1200" kern="1200">
+                <a:solidFill>
+                  <a:schemeClr val="tx1"/>
+                </a:solidFill>
+                <a:latin typeface="+mn-lt"/>
+                <a:ea typeface="+mn-ea"/>
+                <a:cs typeface="+mn-cs"/>
+              </a:defRPr>
+            </a:lvl7pPr>
+            <a:lvl8pPr marL="3200000" indent="-228600" algn="l" defTabSz="457200" rtl="0" eaLnBrk="1" latinLnBrk="0" hangingPunct="1">
+              <a:spcBef>
+                <a:spcPct val="20000"/>
+              </a:spcBef>
+              <a:spcAft>
+                <a:spcPts val="600"/>
+              </a:spcAft>
+              <a:buClr>
+                <a:schemeClr val="accent1"/>
+              </a:buClr>
+              <a:buFont typeface="Wingdings 2" charset="2"/>
+              <a:buChar char=""/>
+              <a:defRPr sz="1200" kern="1200">
+                <a:solidFill>
+                  <a:schemeClr val="tx1"/>
+                </a:solidFill>
+                <a:latin typeface="+mn-lt"/>
+                <a:ea typeface="+mn-ea"/>
+                <a:cs typeface="+mn-cs"/>
+              </a:defRPr>
+            </a:lvl8pPr>
+            <a:lvl9pPr marL="3600000" indent="-228600" algn="l" defTabSz="457200" rtl="0" eaLnBrk="1" latinLnBrk="0" hangingPunct="1">
+              <a:spcBef>
+                <a:spcPct val="20000"/>
+              </a:spcBef>
+              <a:spcAft>
+                <a:spcPts val="600"/>
+              </a:spcAft>
+              <a:buClr>
+                <a:schemeClr val="accent1"/>
+              </a:buClr>
+              <a:buFont typeface="Wingdings 2" charset="2"/>
+              <a:buChar char=""/>
+              <a:defRPr sz="1200" kern="1200">
+                <a:solidFill>
+                  <a:schemeClr val="tx1"/>
+                </a:solidFill>
+                <a:latin typeface="+mn-lt"/>
+                <a:ea typeface="+mn-ea"/>
+                <a:cs typeface="+mn-cs"/>
+              </a:defRPr>
+            </a:lvl9pPr>
+          </a:lstStyle>
+          <a:p>
+            <a:pPr marL="0" indent="0">
+              <a:buNone/>
+            </a:pPr>
+            <a:r>
+              <a:rPr lang="fr-FR" dirty="0">
+                <a:latin typeface="Century Gothic (Corps)"/>
+              </a:rPr>
+              <a:t>Causes:</a:t>
+            </a:r>
+          </a:p>
+          <a:p>
+            <a:pPr marL="0" indent="0">
+              <a:buNone/>
+            </a:pPr>
+            <a:endParaRPr lang="fr-FR" dirty="0">
+              <a:latin typeface="Century Gothic (Corps)"/>
+            </a:endParaRPr>
+          </a:p>
+          <a:p>
+            <a:r>
+              <a:rPr lang="fr-FR" dirty="0">
+                <a:latin typeface="Century Gothic (Corps)"/>
+              </a:rPr>
+              <a:t>Prix</a:t>
+            </a:r>
+          </a:p>
+          <a:p>
+            <a:r>
+              <a:rPr lang="fr-FR" dirty="0">
+                <a:latin typeface="Century Gothic (Corps)"/>
+              </a:rPr>
+              <a:t>Facilité à pirater sur internet</a:t>
+            </a:r>
+          </a:p>
+          <a:p>
+            <a:r>
+              <a:rPr lang="fr-FR" dirty="0">
+                <a:latin typeface="Century Gothic (Corps)"/>
+              </a:rPr>
+              <a:t>Pas de punition</a:t>
+            </a:r>
+          </a:p>
+        </p:txBody>
+      </p:sp>
     </p:spTree>
     <p:extLst>
       <p:ext uri="{BB962C8B-B14F-4D97-AF65-F5344CB8AC3E}">
@@ -6681,7 +7213,7 @@
           <a:p>
             <a:r>
               <a:rPr lang="fr-FR" dirty="0"/>
-              <a:t>Partie Juridique</a:t>
+              <a:t>Partie éco-droit</a:t>
             </a:r>
           </a:p>
         </p:txBody>
@@ -6946,6 +7478,103 @@
     <p:extLst>
       <p:ext uri="{BB962C8B-B14F-4D97-AF65-F5344CB8AC3E}">
         <p14:creationId xmlns:p14="http://schemas.microsoft.com/office/powerpoint/2010/main" val="158930028"/>
+      </p:ext>
+    </p:extLst>
+  </p:cSld>
+  <p:clrMapOvr>
+    <a:masterClrMapping/>
+  </p:clrMapOvr>
+</p:sld>
+</file>
+
+<file path=ppt/slides/slide7.xml><?xml version="1.0" encoding="utf-8"?>
+<p:sld xmlns:a="http://schemas.openxmlformats.org/drawingml/2006/main" xmlns:r="http://schemas.openxmlformats.org/officeDocument/2006/relationships" xmlns:p="http://schemas.openxmlformats.org/presentationml/2006/main">
+  <p:cSld>
+    <p:spTree>
+      <p:nvGrpSpPr>
+        <p:cNvPr id="1" name=""/>
+        <p:cNvGrpSpPr/>
+        <p:nvPr/>
+      </p:nvGrpSpPr>
+      <p:grpSpPr>
+        <a:xfrm>
+          <a:off x="0" y="0"/>
+          <a:ext cx="0" cy="0"/>
+          <a:chOff x="0" y="0"/>
+          <a:chExt cx="0" cy="0"/>
+        </a:xfrm>
+      </p:grpSpPr>
+      <p:sp>
+        <p:nvSpPr>
+          <p:cNvPr id="2" name="Titre 1">
+            <a:extLst>
+              <a:ext uri="{FF2B5EF4-FFF2-40B4-BE49-F238E27FC236}">
+                <a16:creationId xmlns:a16="http://schemas.microsoft.com/office/drawing/2014/main" id="{FD186DEA-FDCD-4DF3-BA2E-A880987CCB4C}"/>
+              </a:ext>
+            </a:extLst>
+          </p:cNvPr>
+          <p:cNvSpPr>
+            <a:spLocks noGrp="1"/>
+          </p:cNvSpPr>
+          <p:nvPr>
+            <p:ph type="title"/>
+          </p:nvPr>
+        </p:nvSpPr>
+        <p:spPr/>
+        <p:txBody>
+          <a:bodyPr/>
+          <a:lstStyle/>
+          <a:p>
+            <a:r>
+              <a:rPr lang="fr-FR" dirty="0"/>
+              <a:t>Diagramme de Gantt</a:t>
+            </a:r>
+          </a:p>
+        </p:txBody>
+      </p:sp>
+      <p:sp>
+        <p:nvSpPr>
+          <p:cNvPr id="3" name="Espace réservé du contenu 2">
+            <a:extLst>
+              <a:ext uri="{FF2B5EF4-FFF2-40B4-BE49-F238E27FC236}">
+                <a16:creationId xmlns:a16="http://schemas.microsoft.com/office/drawing/2014/main" id="{3383D3BD-CCBC-4459-A3E7-25DA94266970}"/>
+              </a:ext>
+            </a:extLst>
+          </p:cNvPr>
+          <p:cNvSpPr>
+            <a:spLocks noGrp="1"/>
+          </p:cNvSpPr>
+          <p:nvPr>
+            <p:ph idx="1"/>
+          </p:nvPr>
+        </p:nvSpPr>
+        <p:spPr/>
+        <p:txBody>
+          <a:bodyPr/>
+          <a:lstStyle/>
+          <a:p>
+            <a:pPr marL="0" indent="0" algn="ctr">
+              <a:buNone/>
+            </a:pPr>
+            <a:r>
+              <a:rPr lang="fr-FR" dirty="0"/>
+              <a:t>Work in </a:t>
+            </a:r>
+            <a:r>
+              <a:rPr lang="fr-FR" dirty="0" err="1"/>
+              <a:t>progress</a:t>
+            </a:r>
+            <a:r>
+              <a:rPr lang="fr-FR" dirty="0"/>
+              <a:t>.</a:t>
+            </a:r>
+          </a:p>
+        </p:txBody>
+      </p:sp>
+    </p:spTree>
+    <p:extLst>
+      <p:ext uri="{BB962C8B-B14F-4D97-AF65-F5344CB8AC3E}">
+        <p14:creationId xmlns:p14="http://schemas.microsoft.com/office/powerpoint/2010/main" val="1864624594"/>
       </p:ext>
     </p:extLst>
   </p:cSld>

--- a/Soutenance/Les logiciels de Musique Assistée par Ordinateur.pptx
+++ b/Soutenance/Les logiciels de Musique Assistée par Ordinateur.pptx
@@ -213,7 +213,7 @@
           <a:effectLst/>
           <a:extLst>
             <a:ext uri="{91240B29-F687-4f45-9708-019B960494DF}">
-              <a14:hiddenLine xmlns:a14="http://schemas.microsoft.com/office/drawing/2010/main" xmlns="" w="9525">
+              <a14:hiddenLine xmlns="" xmlns:a14="http://schemas.microsoft.com/office/drawing/2010/main" w="9525">
                 <a:solidFill>
                   <a:srgbClr val="000000"/>
                 </a:solidFill>
@@ -1723,7 +1723,7 @@
           <a:ln/>
           <a:extLst>
             <a:ext uri="{91240B29-F687-4f45-9708-019B960494DF}">
-              <a14:hiddenLine xmlns:a14="http://schemas.microsoft.com/office/drawing/2010/main" xmlns="" w="9525">
+              <a14:hiddenLine xmlns="" xmlns:a14="http://schemas.microsoft.com/office/drawing/2010/main" w="9525">
                 <a:solidFill>
                   <a:srgbClr val="000000"/>
                 </a:solidFill>
@@ -1995,7 +1995,7 @@
           <a:ln/>
           <a:extLst>
             <a:ext uri="{91240B29-F687-4f45-9708-019B960494DF}">
-              <a14:hiddenLine xmlns:a14="http://schemas.microsoft.com/office/drawing/2010/main" xmlns="" w="9525">
+              <a14:hiddenLine xmlns="" xmlns:a14="http://schemas.microsoft.com/office/drawing/2010/main" w="9525">
                 <a:solidFill>
                   <a:srgbClr val="000000"/>
                 </a:solidFill>
@@ -2275,7 +2275,7 @@
           <a:ln/>
           <a:extLst>
             <a:ext uri="{91240B29-F687-4f45-9708-019B960494DF}">
-              <a14:hiddenLine xmlns:a14="http://schemas.microsoft.com/office/drawing/2010/main" xmlns="" w="9525">
+              <a14:hiddenLine xmlns="" xmlns:a14="http://schemas.microsoft.com/office/drawing/2010/main" w="9525">
                 <a:solidFill>
                   <a:srgbClr val="000000"/>
                 </a:solidFill>
@@ -2895,7 +2895,7 @@
           <a:ln/>
           <a:extLst>
             <a:ext uri="{91240B29-F687-4f45-9708-019B960494DF}">
-              <a14:hiddenLine xmlns:a14="http://schemas.microsoft.com/office/drawing/2010/main" xmlns="" w="9525">
+              <a14:hiddenLine xmlns="" xmlns:a14="http://schemas.microsoft.com/office/drawing/2010/main" w="9525">
                 <a:solidFill>
                   <a:srgbClr val="000000"/>
                 </a:solidFill>
@@ -3231,7 +3231,7 @@
           <a:ln/>
           <a:extLst>
             <a:ext uri="{91240B29-F687-4f45-9708-019B960494DF}">
-              <a14:hiddenLine xmlns:a14="http://schemas.microsoft.com/office/drawing/2010/main" xmlns="" w="9525">
+              <a14:hiddenLine xmlns="" xmlns:a14="http://schemas.microsoft.com/office/drawing/2010/main" w="9525">
                 <a:solidFill>
                   <a:srgbClr val="000000"/>
                 </a:solidFill>
@@ -3705,7 +3705,7 @@
           <a:ln/>
           <a:extLst>
             <a:ext uri="{91240B29-F687-4f45-9708-019B960494DF}">
-              <a14:hiddenLine xmlns:a14="http://schemas.microsoft.com/office/drawing/2010/main" xmlns="" w="9525">
+              <a14:hiddenLine xmlns="" xmlns:a14="http://schemas.microsoft.com/office/drawing/2010/main" w="9525">
                 <a:solidFill>
                   <a:srgbClr val="000000"/>
                 </a:solidFill>
@@ -4128,7 +4128,7 @@
           <a:ln/>
           <a:extLst>
             <a:ext uri="{91240B29-F687-4f45-9708-019B960494DF}">
-              <a14:hiddenLine xmlns:a14="http://schemas.microsoft.com/office/drawing/2010/main" xmlns="" w="9525">
+              <a14:hiddenLine xmlns="" xmlns:a14="http://schemas.microsoft.com/office/drawing/2010/main" w="9525">
                 <a:solidFill>
                   <a:srgbClr val="000000"/>
                 </a:solidFill>
@@ -7534,43 +7534,316 @@
       </p:sp>
       <p:sp>
         <p:nvSpPr>
-          <p:cNvPr id="3" name="Espace réservé du contenu 2">
+          <p:cNvPr id="6" name="Espace réservé du contenu 2">
             <a:extLst>
               <a:ext uri="{FF2B5EF4-FFF2-40B4-BE49-F238E27FC236}">
-                <a16:creationId xmlns:a16="http://schemas.microsoft.com/office/drawing/2014/main" id="{3383D3BD-CCBC-4459-A3E7-25DA94266970}"/>
+                <a16:creationId xmlns:a16="http://schemas.microsoft.com/office/drawing/2014/main" id="{1B58D5FE-3E6A-49AC-A7DC-03DE4A0BE64B}"/>
               </a:ext>
             </a:extLst>
           </p:cNvPr>
-          <p:cNvSpPr>
-            <a:spLocks noGrp="1"/>
-          </p:cNvSpPr>
+          <p:cNvSpPr txBox="1">
+            <a:spLocks/>
+          </p:cNvSpPr>
+          <p:nvPr/>
+        </p:nvSpPr>
+        <p:spPr>
+          <a:xfrm>
+            <a:off x="9781634" y="2775922"/>
+            <a:ext cx="2410366" cy="3634889"/>
+          </a:xfrm>
+          <a:prstGeom prst="rect">
+            <a:avLst/>
+          </a:prstGeom>
+          <a:effectLst>
+            <a:outerShdw blurRad="50800" dir="14400000">
+              <a:srgbClr val="000000">
+                <a:alpha val="40000"/>
+              </a:srgbClr>
+            </a:outerShdw>
+          </a:effectLst>
+        </p:spPr>
+        <p:txBody>
+          <a:bodyPr vert="horz" lIns="91440" tIns="45720" rIns="91440" bIns="45720" rtlCol="0" anchor="ctr">
+            <a:normAutofit/>
+          </a:bodyPr>
+          <a:lstStyle>
+            <a:lvl1pPr marL="342900" indent="-342900" algn="l" defTabSz="457200" rtl="0" eaLnBrk="1" latinLnBrk="0" hangingPunct="1">
+              <a:spcBef>
+                <a:spcPct val="20000"/>
+              </a:spcBef>
+              <a:spcAft>
+                <a:spcPts val="600"/>
+              </a:spcAft>
+              <a:buClr>
+                <a:schemeClr val="accent1"/>
+              </a:buClr>
+              <a:buFont typeface="Wingdings 2" charset="2"/>
+              <a:buChar char=""/>
+              <a:defRPr sz="1800" kern="1200">
+                <a:solidFill>
+                  <a:schemeClr val="tx1"/>
+                </a:solidFill>
+                <a:latin typeface="+mn-lt"/>
+                <a:ea typeface="+mn-ea"/>
+                <a:cs typeface="+mn-cs"/>
+              </a:defRPr>
+            </a:lvl1pPr>
+            <a:lvl2pPr marL="742950" indent="-285750" algn="l" defTabSz="457200" rtl="0" eaLnBrk="1" latinLnBrk="0" hangingPunct="1">
+              <a:spcBef>
+                <a:spcPct val="20000"/>
+              </a:spcBef>
+              <a:spcAft>
+                <a:spcPts val="600"/>
+              </a:spcAft>
+              <a:buClr>
+                <a:schemeClr val="accent1"/>
+              </a:buClr>
+              <a:buFont typeface="Wingdings 2" charset="2"/>
+              <a:buChar char=""/>
+              <a:defRPr sz="1600" kern="1200">
+                <a:solidFill>
+                  <a:schemeClr val="tx1"/>
+                </a:solidFill>
+                <a:latin typeface="+mn-lt"/>
+                <a:ea typeface="+mn-ea"/>
+                <a:cs typeface="+mn-cs"/>
+              </a:defRPr>
+            </a:lvl2pPr>
+            <a:lvl3pPr marL="1143000" indent="-228600" algn="l" defTabSz="457200" rtl="0" eaLnBrk="1" latinLnBrk="0" hangingPunct="1">
+              <a:spcBef>
+                <a:spcPct val="20000"/>
+              </a:spcBef>
+              <a:spcAft>
+                <a:spcPts val="600"/>
+              </a:spcAft>
+              <a:buClr>
+                <a:schemeClr val="accent1"/>
+              </a:buClr>
+              <a:buFont typeface="Wingdings 2" charset="2"/>
+              <a:buChar char=""/>
+              <a:defRPr sz="1400" kern="1200">
+                <a:solidFill>
+                  <a:schemeClr val="tx1"/>
+                </a:solidFill>
+                <a:latin typeface="+mn-lt"/>
+                <a:ea typeface="+mn-ea"/>
+                <a:cs typeface="+mn-cs"/>
+              </a:defRPr>
+            </a:lvl3pPr>
+            <a:lvl4pPr marL="1600200" indent="-228600" algn="l" defTabSz="457200" rtl="0" eaLnBrk="1" latinLnBrk="0" hangingPunct="1">
+              <a:spcBef>
+                <a:spcPct val="20000"/>
+              </a:spcBef>
+              <a:spcAft>
+                <a:spcPts val="600"/>
+              </a:spcAft>
+              <a:buClr>
+                <a:schemeClr val="accent1"/>
+              </a:buClr>
+              <a:buFont typeface="Wingdings 2" charset="2"/>
+              <a:buChar char=""/>
+              <a:defRPr sz="1200" kern="1200">
+                <a:solidFill>
+                  <a:schemeClr val="tx1"/>
+                </a:solidFill>
+                <a:latin typeface="+mn-lt"/>
+                <a:ea typeface="+mn-ea"/>
+                <a:cs typeface="+mn-cs"/>
+              </a:defRPr>
+            </a:lvl4pPr>
+            <a:lvl5pPr marL="2057400" indent="-228600" algn="l" defTabSz="457200" rtl="0" eaLnBrk="1" latinLnBrk="0" hangingPunct="1">
+              <a:spcBef>
+                <a:spcPct val="20000"/>
+              </a:spcBef>
+              <a:spcAft>
+                <a:spcPts val="600"/>
+              </a:spcAft>
+              <a:buClr>
+                <a:schemeClr val="accent1"/>
+              </a:buClr>
+              <a:buFont typeface="Wingdings 2" charset="2"/>
+              <a:buChar char=""/>
+              <a:defRPr sz="1200" kern="1200">
+                <a:solidFill>
+                  <a:schemeClr val="tx1"/>
+                </a:solidFill>
+                <a:latin typeface="+mn-lt"/>
+                <a:ea typeface="+mn-ea"/>
+                <a:cs typeface="+mn-cs"/>
+              </a:defRPr>
+            </a:lvl5pPr>
+            <a:lvl6pPr marL="2400000" indent="-228600" algn="l" defTabSz="457200" rtl="0" eaLnBrk="1" latinLnBrk="0" hangingPunct="1">
+              <a:spcBef>
+                <a:spcPct val="20000"/>
+              </a:spcBef>
+              <a:spcAft>
+                <a:spcPts val="600"/>
+              </a:spcAft>
+              <a:buClr>
+                <a:schemeClr val="accent1"/>
+              </a:buClr>
+              <a:buFont typeface="Wingdings 2" charset="2"/>
+              <a:buChar char=""/>
+              <a:defRPr sz="1200" kern="1200">
+                <a:solidFill>
+                  <a:schemeClr val="tx1"/>
+                </a:solidFill>
+                <a:latin typeface="+mn-lt"/>
+                <a:ea typeface="+mn-ea"/>
+                <a:cs typeface="+mn-cs"/>
+              </a:defRPr>
+            </a:lvl6pPr>
+            <a:lvl7pPr marL="2800000" indent="-228600" algn="l" defTabSz="457200" rtl="0" eaLnBrk="1" latinLnBrk="0" hangingPunct="1">
+              <a:spcBef>
+                <a:spcPct val="20000"/>
+              </a:spcBef>
+              <a:spcAft>
+                <a:spcPts val="600"/>
+              </a:spcAft>
+              <a:buClr>
+                <a:schemeClr val="accent1"/>
+              </a:buClr>
+              <a:buFont typeface="Wingdings 2" charset="2"/>
+              <a:buChar char=""/>
+              <a:defRPr sz="1200" kern="1200">
+                <a:solidFill>
+                  <a:schemeClr val="tx1"/>
+                </a:solidFill>
+                <a:latin typeface="+mn-lt"/>
+                <a:ea typeface="+mn-ea"/>
+                <a:cs typeface="+mn-cs"/>
+              </a:defRPr>
+            </a:lvl7pPr>
+            <a:lvl8pPr marL="3200000" indent="-228600" algn="l" defTabSz="457200" rtl="0" eaLnBrk="1" latinLnBrk="0" hangingPunct="1">
+              <a:spcBef>
+                <a:spcPct val="20000"/>
+              </a:spcBef>
+              <a:spcAft>
+                <a:spcPts val="600"/>
+              </a:spcAft>
+              <a:buClr>
+                <a:schemeClr val="accent1"/>
+              </a:buClr>
+              <a:buFont typeface="Wingdings 2" charset="2"/>
+              <a:buChar char=""/>
+              <a:defRPr sz="1200" kern="1200">
+                <a:solidFill>
+                  <a:schemeClr val="tx1"/>
+                </a:solidFill>
+                <a:latin typeface="+mn-lt"/>
+                <a:ea typeface="+mn-ea"/>
+                <a:cs typeface="+mn-cs"/>
+              </a:defRPr>
+            </a:lvl8pPr>
+            <a:lvl9pPr marL="3600000" indent="-228600" algn="l" defTabSz="457200" rtl="0" eaLnBrk="1" latinLnBrk="0" hangingPunct="1">
+              <a:spcBef>
+                <a:spcPct val="20000"/>
+              </a:spcBef>
+              <a:spcAft>
+                <a:spcPts val="600"/>
+              </a:spcAft>
+              <a:buClr>
+                <a:schemeClr val="accent1"/>
+              </a:buClr>
+              <a:buFont typeface="Wingdings 2" charset="2"/>
+              <a:buChar char=""/>
+              <a:defRPr sz="1200" kern="1200">
+                <a:solidFill>
+                  <a:schemeClr val="tx1"/>
+                </a:solidFill>
+                <a:latin typeface="+mn-lt"/>
+                <a:ea typeface="+mn-ea"/>
+                <a:cs typeface="+mn-cs"/>
+              </a:defRPr>
+            </a:lvl9pPr>
+          </a:lstStyle>
+          <a:p>
+            <a:r>
+              <a:rPr lang="fr-FR" sz="1600" dirty="0">
+                <a:latin typeface="Century Gothic (Corps)"/>
+              </a:rPr>
+              <a:t>Vert: Gestion</a:t>
+            </a:r>
+          </a:p>
+          <a:p>
+            <a:r>
+              <a:rPr lang="fr-FR" sz="1600" dirty="0">
+                <a:latin typeface="Century Gothic (Corps)"/>
+              </a:rPr>
+              <a:t>Orange: Sondage</a:t>
+            </a:r>
+          </a:p>
+          <a:p>
+            <a:r>
+              <a:rPr lang="fr-FR" sz="1600" dirty="0">
+                <a:latin typeface="Century Gothic (Corps)"/>
+              </a:rPr>
+              <a:t>Bleu: Rapport</a:t>
+            </a:r>
+          </a:p>
+          <a:p>
+            <a:r>
+              <a:rPr lang="fr-FR" sz="1600" dirty="0">
+                <a:latin typeface="Century Gothic (Corps)"/>
+              </a:rPr>
+              <a:t>Rouge: Site Web</a:t>
+            </a:r>
+          </a:p>
+          <a:p>
+            <a:r>
+              <a:rPr lang="fr-FR" sz="1600" dirty="0">
+                <a:latin typeface="Century Gothic (Corps)"/>
+              </a:rPr>
+              <a:t>Jaune: Soutenance</a:t>
+            </a:r>
+          </a:p>
+          <a:p>
+            <a:r>
+              <a:rPr lang="fr-FR" sz="1600" dirty="0">
+                <a:latin typeface="Century Gothic (Corps)"/>
+              </a:rPr>
+              <a:t>Cases pleines: Délais prévus</a:t>
+            </a:r>
+          </a:p>
+          <a:p>
+            <a:r>
+              <a:rPr lang="fr-FR" sz="1600" dirty="0">
+                <a:latin typeface="Century Gothic (Corps)"/>
+              </a:rPr>
+              <a:t>Cases non pleines: Délais réels</a:t>
+            </a:r>
+          </a:p>
+        </p:txBody>
+      </p:sp>
+      <p:pic>
+        <p:nvPicPr>
+          <p:cNvPr id="10" name="Espace réservé du contenu 9">
+            <a:extLst>
+              <a:ext uri="{FF2B5EF4-FFF2-40B4-BE49-F238E27FC236}">
+                <a16:creationId xmlns:a16="http://schemas.microsoft.com/office/drawing/2014/main" id="{1DE9FD9F-8A34-4CFA-8887-1452B462E9D0}"/>
+              </a:ext>
+            </a:extLst>
+          </p:cNvPr>
+          <p:cNvPicPr>
+            <a:picLocks noGrp="1" noChangeAspect="1"/>
+          </p:cNvPicPr>
           <p:nvPr>
             <p:ph idx="1"/>
           </p:nvPr>
-        </p:nvSpPr>
-        <p:spPr/>
-        <p:txBody>
-          <a:bodyPr/>
-          <a:lstStyle/>
-          <a:p>
-            <a:pPr marL="0" indent="0" algn="ctr">
-              <a:buNone/>
-            </a:pPr>
-            <a:r>
-              <a:rPr lang="fr-FR" dirty="0"/>
-              <a:t>Work in </a:t>
-            </a:r>
-            <a:r>
-              <a:rPr lang="fr-FR" dirty="0" err="1"/>
-              <a:t>progress</a:t>
-            </a:r>
-            <a:r>
-              <a:rPr lang="fr-FR" dirty="0"/>
-              <a:t>.</a:t>
-            </a:r>
-          </a:p>
-        </p:txBody>
-      </p:sp>
+        </p:nvPicPr>
+        <p:blipFill>
+          <a:blip r:embed="rId2"/>
+          <a:stretch>
+            <a:fillRect/>
+          </a:stretch>
+        </p:blipFill>
+        <p:spPr>
+          <a:xfrm>
+            <a:off x="810000" y="2773848"/>
+            <a:ext cx="8999240" cy="3636963"/>
+          </a:xfrm>
+        </p:spPr>
+      </p:pic>
     </p:spTree>
     <p:extLst>
       <p:ext uri="{BB962C8B-B14F-4D97-AF65-F5344CB8AC3E}">
